--- a/기획/2차 미니 프로젝트 스토리 보드.pptx
+++ b/기획/2차 미니 프로젝트 스토리 보드.pptx
@@ -39,16 +39,16 @@
   <p:notesSz cx="6858000" cy="9144000"/>
   <p:embeddedFontLst>
     <p:embeddedFont>
-      <p:font typeface="맑은 고딕" panose="020B0503020000020004" pitchFamily="50" charset="-127"/>
+      <p:font typeface="Lato" panose="020F0502020204030203" pitchFamily="34" charset="0"/>
       <p:regular r:id="rId29"/>
       <p:bold r:id="rId30"/>
+      <p:italic r:id="rId31"/>
+      <p:boldItalic r:id="rId32"/>
     </p:embeddedFont>
     <p:embeddedFont>
-      <p:font typeface="Lato" panose="020F0502020204030203" pitchFamily="34" charset="0"/>
-      <p:regular r:id="rId31"/>
-      <p:bold r:id="rId32"/>
-      <p:italic r:id="rId33"/>
-      <p:boldItalic r:id="rId34"/>
+      <p:font typeface="맑은 고딕" panose="020B0503020000020004" pitchFamily="50" charset="-127"/>
+      <p:regular r:id="rId33"/>
+      <p:bold r:id="rId34"/>
     </p:embeddedFont>
   </p:embeddedFontLst>
   <p:defaultTextStyle>
